--- a/需求工程项目计划.pptx
+++ b/需求工程项目计划.pptx
@@ -5,7 +5,7 @@
     <p:sldMasterId id="2147483648" r:id="rId1"/>
   </p:sldMasterIdLst>
   <p:notesMasterIdLst>
-    <p:notesMasterId r:id="rId19"/>
+    <p:notesMasterId r:id="rId20"/>
   </p:notesMasterIdLst>
   <p:sldIdLst>
     <p:sldId id="256" r:id="rId3"/>
@@ -23,12 +23,13 @@
     <p:sldId id="277" r:id="rId15"/>
     <p:sldId id="278" r:id="rId16"/>
     <p:sldId id="279" r:id="rId17"/>
-    <p:sldId id="282" r:id="rId18"/>
+    <p:sldId id="283" r:id="rId18"/>
+    <p:sldId id="282" r:id="rId19"/>
   </p:sldIdLst>
   <p:sldSz cx="12192000" cy="6858000"/>
   <p:notesSz cx="6858000" cy="9144000"/>
   <p:custDataLst>
-    <p:tags r:id="rId23"/>
+    <p:tags r:id="rId24"/>
   </p:custDataLst>
   <p:defaultTextStyle>
     <a:defPPr marL="0" marR="0" indent="0" algn="l" defTabSz="914400" rtl="0" fontAlgn="auto" latinLnBrk="1" hangingPunct="0">
@@ -1402,7 +1403,7 @@
         <a:solidFill>
           <a:schemeClr val="accent3">
             <a:hueOff val="-11250001"/>
-            <a:satOff val="-14503"/>
+            <a:satOff val="-14502"/>
             <a:lumOff val="57615"/>
           </a:schemeClr>
         </a:solidFill>
@@ -1633,7 +1634,7 @@
         <a:solidFill>
           <a:schemeClr val="accent3">
             <a:hueOff val="-11250001"/>
-            <a:satOff val="-14503"/>
+            <a:satOff val="-14502"/>
             <a:lumOff val="57615"/>
           </a:schemeClr>
         </a:solidFill>
@@ -1841,7 +1842,7 @@
         <a:solidFill>
           <a:schemeClr val="accent3">
             <a:hueOff val="-11250001"/>
-            <a:satOff val="-14503"/>
+            <a:satOff val="-14502"/>
             <a:lumOff val="57615"/>
           </a:schemeClr>
         </a:solidFill>
@@ -2087,7 +2088,7 @@
         <a:solidFill>
           <a:schemeClr val="accent3">
             <a:hueOff val="-11250001"/>
-            <a:satOff val="-14503"/>
+            <a:satOff val="-14502"/>
             <a:lumOff val="57615"/>
           </a:schemeClr>
         </a:solidFill>
@@ -2299,7 +2300,7 @@
         <a:solidFill>
           <a:schemeClr val="accent3">
             <a:hueOff val="-11250001"/>
-            <a:satOff val="-14503"/>
+            <a:satOff val="-14502"/>
             <a:lumOff val="57615"/>
           </a:schemeClr>
         </a:solidFill>
@@ -2751,7 +2752,7 @@
         <a:solidFill>
           <a:schemeClr val="accent3">
             <a:hueOff val="-11250001"/>
-            <a:satOff val="-14503"/>
+            <a:satOff val="-14502"/>
             <a:lumOff val="57615"/>
           </a:schemeClr>
         </a:solidFill>
@@ -2869,7 +2870,7 @@
         <a:solidFill>
           <a:schemeClr val="accent3">
             <a:hueOff val="-11250001"/>
-            <a:satOff val="-14503"/>
+            <a:satOff val="-14502"/>
             <a:lumOff val="57615"/>
           </a:schemeClr>
         </a:solidFill>
@@ -3122,7 +3123,7 @@
         <a:solidFill>
           <a:schemeClr val="accent3">
             <a:hueOff val="-11250001"/>
-            <a:satOff val="-14503"/>
+            <a:satOff val="-14502"/>
             <a:lumOff val="57615"/>
           </a:schemeClr>
         </a:solidFill>
@@ -3380,7 +3381,7 @@
         <a:solidFill>
           <a:schemeClr val="accent3">
             <a:hueOff val="-11250001"/>
-            <a:satOff val="-14503"/>
+            <a:satOff val="-14502"/>
             <a:lumOff val="57615"/>
           </a:schemeClr>
         </a:solidFill>
@@ -3588,7 +3589,7 @@
         <a:solidFill>
           <a:schemeClr val="accent3">
             <a:hueOff val="-11250001"/>
-            <a:satOff val="-14503"/>
+            <a:satOff val="-14502"/>
             <a:lumOff val="57615"/>
           </a:schemeClr>
         </a:solidFill>
@@ -5701,7 +5702,7 @@
           <a:solidFill>
             <a:schemeClr val="accent3">
               <a:hueOff val="-11250001"/>
-              <a:satOff val="-14503"/>
+              <a:satOff val="-14502"/>
               <a:lumOff val="57615"/>
             </a:schemeClr>
           </a:solidFill>
@@ -6191,7 +6192,7 @@
                   <a:solidFill>
                     <a:schemeClr val="accent3">
                       <a:hueOff val="-11250001"/>
-                      <a:satOff val="-14503"/>
+                      <a:satOff val="-14502"/>
                       <a:lumOff val="57615"/>
                     </a:schemeClr>
                   </a:solidFill>
@@ -6354,7 +6355,7 @@
             <a:solidFill>
               <a:schemeClr val="accent3">
                 <a:hueOff val="-11250001"/>
-                <a:satOff val="-14503"/>
+                <a:satOff val="-14502"/>
                 <a:lumOff val="57615"/>
               </a:schemeClr>
             </a:solidFill>
@@ -6431,7 +6432,7 @@
                   <a:solidFill>
                     <a:schemeClr val="accent3">
                       <a:hueOff val="-11250001"/>
-                      <a:satOff val="-14503"/>
+                      <a:satOff val="-14502"/>
                       <a:lumOff val="57615"/>
                     </a:schemeClr>
                   </a:solidFill>
@@ -6750,7 +6751,7 @@
             <a:solidFill>
               <a:schemeClr val="accent3">
                 <a:hueOff val="-11250001"/>
-                <a:satOff val="-14503"/>
+                <a:satOff val="-14502"/>
                 <a:lumOff val="57615"/>
               </a:schemeClr>
             </a:solidFill>
@@ -6819,7 +6820,7 @@
                   <a:solidFill>
                     <a:schemeClr val="accent3">
                       <a:hueOff val="-11250001"/>
-                      <a:satOff val="-14503"/>
+                      <a:satOff val="-14502"/>
                       <a:lumOff val="57615"/>
                     </a:schemeClr>
                   </a:solidFill>
@@ -6995,7 +6996,7 @@
             <a:solidFill>
               <a:schemeClr val="accent3">
                 <a:hueOff val="-11250001"/>
-                <a:satOff val="-14503"/>
+                <a:satOff val="-14502"/>
                 <a:lumOff val="57615"/>
               </a:schemeClr>
             </a:solidFill>
@@ -12521,6 +12522,698 @@
           <a:chExt cx="0" cy="0"/>
         </a:xfrm>
       </p:grpSpPr>
+      <p:sp>
+        <p:nvSpPr>
+          <p:cNvPr id="3" name="文本框 2"/>
+          <p:cNvSpPr txBox="1"/>
+          <p:nvPr/>
+        </p:nvSpPr>
+        <p:spPr>
+          <a:xfrm>
+            <a:off x="2090420" y="1556385"/>
+            <a:ext cx="8011160" cy="3413760"/>
+          </a:xfrm>
+          <a:prstGeom prst="rect">
+            <a:avLst/>
+          </a:prstGeom>
+          <a:noFill/>
+          <a:ln w="12700" cap="flat">
+            <a:noFill/>
+            <a:miter lim="400000"/>
+          </a:ln>
+        </p:spPr>
+        <p:style>
+          <a:lnRef idx="0">
+            <a:scrgbClr r="0" g="0" b="0"/>
+          </a:lnRef>
+          <a:fillRef idx="0">
+            <a:scrgbClr r="0" g="0" b="0"/>
+          </a:fillRef>
+          <a:effectRef idx="0">
+            <a:scrgbClr r="0" g="0" b="0"/>
+          </a:effectRef>
+          <a:fontRef idx="none"/>
+        </p:style>
+        <p:txBody>
+          <a:bodyPr rot="0" vertOverflow="overflow" horzOverflow="overflow" vert="horz" wrap="square" lIns="45719" tIns="45719" rIns="45719" bIns="45719" numCol="1" spcCol="38100" rtlCol="0" anchor="t" forceAA="0">
+            <a:spAutoFit/>
+          </a:bodyPr>
+          <a:p>
+            <a:pPr marL="0" marR="0" indent="0" algn="l" defTabSz="914400" rtl="0" fontAlgn="auto" latinLnBrk="0" hangingPunct="0">
+              <a:lnSpc>
+                <a:spcPct val="100000"/>
+              </a:lnSpc>
+              <a:spcBef>
+                <a:spcPts val="0"/>
+              </a:spcBef>
+              <a:spcAft>
+                <a:spcPts val="0"/>
+              </a:spcAft>
+              <a:buClrTx/>
+              <a:buSzTx/>
+              <a:buFontTx/>
+              <a:buNone/>
+            </a:pPr>
+            <a:r>
+              <a:rPr kumimoji="0" lang="zh-CN" altLang="en-US" sz="1800" b="0" i="0" u="none" strike="noStrike" cap="none" spc="0" normalizeH="0" baseline="0">
+                <a:ln>
+                  <a:noFill/>
+                </a:ln>
+                <a:solidFill>
+                  <a:srgbClr val="000000"/>
+                </a:solidFill>
+                <a:effectLst/>
+                <a:uFillTx/>
+                <a:latin typeface="Arial" panose="020B0604020202020204"/>
+                <a:ea typeface="Arial" panose="020B0604020202020204"/>
+                <a:cs typeface="Arial" panose="020B0604020202020204"/>
+                <a:sym typeface="Arial" panose="020B0604020202020204"/>
+              </a:rPr>
+              <a:t>小组</a:t>
+            </a:r>
+            <a:r>
+              <a:rPr kumimoji="0" lang="zh-CN" altLang="en-US" sz="1800" b="0" i="0" u="none" strike="noStrike" cap="none" spc="0" normalizeH="0" baseline="0">
+                <a:ln>
+                  <a:noFill/>
+                </a:ln>
+                <a:solidFill>
+                  <a:srgbClr val="000000"/>
+                </a:solidFill>
+                <a:effectLst/>
+                <a:uFillTx/>
+                <a:latin typeface="Arial" panose="020B0604020202020204"/>
+                <a:ea typeface="Arial" panose="020B0604020202020204"/>
+                <a:cs typeface="Arial" panose="020B0604020202020204"/>
+                <a:sym typeface="Arial" panose="020B0604020202020204"/>
+              </a:rPr>
+              <a:t>分工</a:t>
+            </a:r>
+            <a:br>
+              <a:rPr kumimoji="0" lang="zh-CN" altLang="en-US" sz="1800" b="0" i="0" u="none" strike="noStrike" cap="none" spc="0" normalizeH="0" baseline="0">
+                <a:ln>
+                  <a:noFill/>
+                </a:ln>
+                <a:solidFill>
+                  <a:srgbClr val="000000"/>
+                </a:solidFill>
+                <a:effectLst/>
+                <a:uFillTx/>
+                <a:latin typeface="Arial" panose="020B0604020202020204"/>
+                <a:ea typeface="Arial" panose="020B0604020202020204"/>
+                <a:cs typeface="Arial" panose="020B0604020202020204"/>
+                <a:sym typeface="Arial" panose="020B0604020202020204"/>
+              </a:rPr>
+            </a:br>
+            <a:endParaRPr kumimoji="0" lang="zh-CN" altLang="en-US" sz="1800" b="0" i="0" u="none" strike="noStrike" cap="none" spc="0" normalizeH="0" baseline="0">
+              <a:ln>
+                <a:noFill/>
+              </a:ln>
+              <a:solidFill>
+                <a:srgbClr val="000000"/>
+              </a:solidFill>
+              <a:effectLst/>
+              <a:uFillTx/>
+              <a:latin typeface="Arial" panose="020B0604020202020204"/>
+              <a:ea typeface="Arial" panose="020B0604020202020204"/>
+              <a:cs typeface="Arial" panose="020B0604020202020204"/>
+              <a:sym typeface="Arial" panose="020B0604020202020204"/>
+            </a:endParaRPr>
+          </a:p>
+          <a:p>
+            <a:pPr marL="457200" marR="0" lvl="1" indent="0" algn="l" defTabSz="914400" rtl="0" fontAlgn="auto" latinLnBrk="0" hangingPunct="0">
+              <a:lnSpc>
+                <a:spcPct val="100000"/>
+              </a:lnSpc>
+              <a:spcBef>
+                <a:spcPts val="0"/>
+              </a:spcBef>
+              <a:spcAft>
+                <a:spcPts val="0"/>
+              </a:spcAft>
+              <a:buClrTx/>
+              <a:buSzTx/>
+              <a:buFontTx/>
+              <a:buNone/>
+            </a:pPr>
+            <a:r>
+              <a:rPr kumimoji="0" lang="zh-CN" altLang="en-US" b="1" i="0" u="none" strike="noStrike" cap="none" spc="0" normalizeH="0" baseline="0">
+                <a:ln>
+                  <a:noFill/>
+                </a:ln>
+                <a:solidFill>
+                  <a:srgbClr val="000000"/>
+                </a:solidFill>
+                <a:effectLst/>
+                <a:uFillTx/>
+                <a:latin typeface="Arial" panose="020B0604020202020204"/>
+                <a:ea typeface="Arial" panose="020B0604020202020204"/>
+                <a:cs typeface="Arial" panose="020B0604020202020204"/>
+                <a:sym typeface="Arial" panose="020B0604020202020204"/>
+              </a:rPr>
+              <a:t>郭伟进</a:t>
+            </a:r>
+            <a:r>
+              <a:rPr kumimoji="0" lang="zh-CN" altLang="en-US" b="0" i="0" u="none" strike="noStrike" cap="none" spc="0" normalizeH="0" baseline="0">
+                <a:ln>
+                  <a:noFill/>
+                </a:ln>
+                <a:solidFill>
+                  <a:srgbClr val="000000"/>
+                </a:solidFill>
+                <a:effectLst/>
+                <a:uFillTx/>
+                <a:latin typeface="Arial" panose="020B0604020202020204"/>
+                <a:ea typeface="Arial" panose="020B0604020202020204"/>
+                <a:cs typeface="Arial" panose="020B0604020202020204"/>
+                <a:sym typeface="Arial" panose="020B0604020202020204"/>
+              </a:rPr>
+              <a:t>：组长，负责项目章程，汇总项目计划</a:t>
+            </a:r>
+            <a:br>
+              <a:rPr kumimoji="0" lang="zh-CN" altLang="en-US" b="0" i="0" u="none" strike="noStrike" cap="none" spc="0" normalizeH="0" baseline="0">
+                <a:ln>
+                  <a:noFill/>
+                </a:ln>
+                <a:solidFill>
+                  <a:srgbClr val="000000"/>
+                </a:solidFill>
+                <a:effectLst/>
+                <a:uFillTx/>
+                <a:latin typeface="Arial" panose="020B0604020202020204"/>
+                <a:ea typeface="Arial" panose="020B0604020202020204"/>
+                <a:cs typeface="Arial" panose="020B0604020202020204"/>
+                <a:sym typeface="Arial" panose="020B0604020202020204"/>
+              </a:rPr>
+            </a:br>
+            <a:br>
+              <a:rPr kumimoji="0" lang="zh-CN" altLang="en-US" b="0" i="0" u="none" strike="noStrike" cap="none" spc="0" normalizeH="0" baseline="0">
+                <a:ln>
+                  <a:noFill/>
+                </a:ln>
+                <a:solidFill>
+                  <a:srgbClr val="000000"/>
+                </a:solidFill>
+                <a:effectLst/>
+                <a:uFillTx/>
+                <a:latin typeface="Arial" panose="020B0604020202020204"/>
+                <a:ea typeface="Arial" panose="020B0604020202020204"/>
+                <a:cs typeface="Arial" panose="020B0604020202020204"/>
+                <a:sym typeface="Arial" panose="020B0604020202020204"/>
+              </a:rPr>
+            </a:br>
+            <a:r>
+              <a:rPr kumimoji="0" lang="zh-CN" altLang="en-US" b="1" i="0" u="none" strike="noStrike" cap="none" spc="0" normalizeH="0" baseline="0">
+                <a:ln>
+                  <a:noFill/>
+                </a:ln>
+                <a:solidFill>
+                  <a:srgbClr val="000000"/>
+                </a:solidFill>
+                <a:effectLst/>
+                <a:uFillTx/>
+                <a:latin typeface="Arial" panose="020B0604020202020204"/>
+                <a:ea typeface="Arial" panose="020B0604020202020204"/>
+                <a:cs typeface="Arial" panose="020B0604020202020204"/>
+                <a:sym typeface="Arial" panose="020B0604020202020204"/>
+              </a:rPr>
+              <a:t>范品樟</a:t>
+            </a:r>
+            <a:r>
+              <a:rPr kumimoji="0" lang="zh-CN" altLang="en-US" b="0" i="0" u="none" strike="noStrike" cap="none" spc="0" normalizeH="0" baseline="0">
+                <a:ln>
+                  <a:noFill/>
+                </a:ln>
+                <a:solidFill>
+                  <a:srgbClr val="000000"/>
+                </a:solidFill>
+                <a:effectLst/>
+                <a:uFillTx/>
+                <a:latin typeface="Arial" panose="020B0604020202020204"/>
+                <a:ea typeface="Arial" panose="020B0604020202020204"/>
+                <a:cs typeface="Arial" panose="020B0604020202020204"/>
+                <a:sym typeface="Arial" panose="020B0604020202020204"/>
+              </a:rPr>
+              <a:t>：风险分析</a:t>
+            </a:r>
+            <a:r>
+              <a:rPr kumimoji="0" lang="en-US" altLang="zh-CN" b="0" i="0" u="none" strike="noStrike" cap="none" spc="0" normalizeH="0" baseline="0">
+                <a:ln>
+                  <a:noFill/>
+                </a:ln>
+                <a:solidFill>
+                  <a:srgbClr val="000000"/>
+                </a:solidFill>
+                <a:effectLst/>
+                <a:uFillTx/>
+                <a:latin typeface="Arial" panose="020B0604020202020204"/>
+                <a:ea typeface="Arial" panose="020B0604020202020204"/>
+                <a:cs typeface="Arial" panose="020B0604020202020204"/>
+                <a:sym typeface="Arial" panose="020B0604020202020204"/>
+              </a:rPr>
+              <a:t> </a:t>
+            </a:r>
+            <a:r>
+              <a:rPr kumimoji="0" lang="zh-CN" altLang="en-US" b="0" i="0" u="none" strike="noStrike" cap="none" spc="0" normalizeH="0" baseline="0">
+                <a:ln>
+                  <a:noFill/>
+                </a:ln>
+                <a:solidFill>
+                  <a:srgbClr val="000000"/>
+                </a:solidFill>
+                <a:effectLst/>
+                <a:uFillTx/>
+                <a:latin typeface="Arial" panose="020B0604020202020204"/>
+                <a:ea typeface="宋体" panose="02010600030101010101" pitchFamily="2" charset="-122"/>
+                <a:cs typeface="Arial" panose="020B0604020202020204"/>
+                <a:sym typeface="Arial" panose="020B0604020202020204"/>
+              </a:rPr>
+              <a:t>（</a:t>
+            </a:r>
+            <a:r>
+              <a:rPr kumimoji="0" lang="en-US" altLang="zh-CN" b="0" i="0" u="none" strike="noStrike" cap="none" spc="0" normalizeH="0" baseline="0">
+                <a:ln>
+                  <a:noFill/>
+                </a:ln>
+                <a:solidFill>
+                  <a:srgbClr val="000000"/>
+                </a:solidFill>
+                <a:effectLst/>
+                <a:uFillTx/>
+                <a:latin typeface="Arial" panose="020B0604020202020204"/>
+                <a:ea typeface="宋体" panose="02010600030101010101" pitchFamily="2" charset="-122"/>
+                <a:cs typeface="Arial" panose="020B0604020202020204"/>
+                <a:sym typeface="Arial" panose="020B0604020202020204"/>
+              </a:rPr>
+              <a:t>5/5</a:t>
+            </a:r>
+            <a:r>
+              <a:rPr kumimoji="0" lang="zh-CN" altLang="en-US" b="0" i="0" u="none" strike="noStrike" cap="none" spc="0" normalizeH="0" baseline="0">
+                <a:ln>
+                  <a:noFill/>
+                </a:ln>
+                <a:solidFill>
+                  <a:srgbClr val="000000"/>
+                </a:solidFill>
+                <a:effectLst/>
+                <a:uFillTx/>
+                <a:latin typeface="Arial" panose="020B0604020202020204"/>
+                <a:ea typeface="宋体" panose="02010600030101010101" pitchFamily="2" charset="-122"/>
+                <a:cs typeface="Arial" panose="020B0604020202020204"/>
+                <a:sym typeface="Arial" panose="020B0604020202020204"/>
+              </a:rPr>
+              <a:t>）</a:t>
+            </a:r>
+            <a:br>
+              <a:rPr kumimoji="0" lang="en-US" altLang="zh-CN" b="0" i="0" u="none" strike="noStrike" cap="none" spc="0" normalizeH="0" baseline="0">
+                <a:ln>
+                  <a:noFill/>
+                </a:ln>
+                <a:solidFill>
+                  <a:srgbClr val="000000"/>
+                </a:solidFill>
+                <a:effectLst/>
+                <a:uFillTx/>
+                <a:latin typeface="Arial" panose="020B0604020202020204"/>
+                <a:ea typeface="Arial" panose="020B0604020202020204"/>
+                <a:cs typeface="Arial" panose="020B0604020202020204"/>
+                <a:sym typeface="Arial" panose="020B0604020202020204"/>
+              </a:rPr>
+            </a:br>
+            <a:br>
+              <a:rPr kumimoji="0" lang="zh-CN" altLang="en-US" b="0" i="0" u="none" strike="noStrike" cap="none" spc="0" normalizeH="0" baseline="0">
+                <a:ln>
+                  <a:noFill/>
+                </a:ln>
+                <a:solidFill>
+                  <a:srgbClr val="000000"/>
+                </a:solidFill>
+                <a:effectLst/>
+                <a:uFillTx/>
+                <a:latin typeface="Arial" panose="020B0604020202020204"/>
+                <a:ea typeface="Arial" panose="020B0604020202020204"/>
+                <a:cs typeface="Arial" panose="020B0604020202020204"/>
+                <a:sym typeface="Arial" panose="020B0604020202020204"/>
+              </a:rPr>
+            </a:br>
+            <a:r>
+              <a:rPr kumimoji="0" lang="zh-CN" altLang="en-US" b="1" i="0" u="none" strike="noStrike" cap="none" spc="0" normalizeH="0" baseline="0">
+                <a:ln>
+                  <a:noFill/>
+                </a:ln>
+                <a:solidFill>
+                  <a:srgbClr val="000000"/>
+                </a:solidFill>
+                <a:effectLst/>
+                <a:uFillTx/>
+                <a:latin typeface="Arial" panose="020B0604020202020204"/>
+                <a:ea typeface="Arial" panose="020B0604020202020204"/>
+                <a:cs typeface="Arial" panose="020B0604020202020204"/>
+                <a:sym typeface="Arial" panose="020B0604020202020204"/>
+              </a:rPr>
+              <a:t>阮精特</a:t>
+            </a:r>
+            <a:r>
+              <a:rPr kumimoji="0" lang="zh-CN" altLang="en-US" b="0" i="0" u="none" strike="noStrike" cap="none" spc="0" normalizeH="0" baseline="0">
+                <a:ln>
+                  <a:noFill/>
+                </a:ln>
+                <a:solidFill>
+                  <a:srgbClr val="000000"/>
+                </a:solidFill>
+                <a:effectLst/>
+                <a:uFillTx/>
+                <a:latin typeface="Arial" panose="020B0604020202020204"/>
+                <a:ea typeface="Arial" panose="020B0604020202020204"/>
+                <a:cs typeface="Arial" panose="020B0604020202020204"/>
+                <a:sym typeface="Arial" panose="020B0604020202020204"/>
+              </a:rPr>
+              <a:t>：可行性分析</a:t>
+            </a:r>
+            <a:r>
+              <a:rPr lang="zh-CN" altLang="en-US">
+                <a:ea typeface="宋体" panose="02010600030101010101" pitchFamily="2" charset="-122"/>
+                <a:sym typeface="Arial" panose="020B0604020202020204"/>
+              </a:rPr>
+              <a:t>（</a:t>
+            </a:r>
+            <a:r>
+              <a:rPr lang="en-US" altLang="zh-CN">
+                <a:ea typeface="宋体" panose="02010600030101010101" pitchFamily="2" charset="-122"/>
+                <a:sym typeface="Arial" panose="020B0604020202020204"/>
+              </a:rPr>
+              <a:t>5/5</a:t>
+            </a:r>
+            <a:r>
+              <a:rPr lang="zh-CN" altLang="en-US">
+                <a:ea typeface="宋体" panose="02010600030101010101" pitchFamily="2" charset="-122"/>
+                <a:sym typeface="Arial" panose="020B0604020202020204"/>
+              </a:rPr>
+              <a:t>）</a:t>
+            </a:r>
+            <a:endParaRPr kumimoji="0" lang="zh-CN" altLang="en-US" b="0" i="0" u="none" strike="noStrike" cap="none" spc="0" normalizeH="0" baseline="0">
+              <a:ln>
+                <a:noFill/>
+              </a:ln>
+              <a:solidFill>
+                <a:srgbClr val="000000"/>
+              </a:solidFill>
+              <a:effectLst/>
+              <a:uFillTx/>
+              <a:latin typeface="Arial" panose="020B0604020202020204"/>
+              <a:ea typeface="Arial" panose="020B0604020202020204"/>
+              <a:cs typeface="Arial" panose="020B0604020202020204"/>
+              <a:sym typeface="Arial" panose="020B0604020202020204"/>
+            </a:endParaRPr>
+          </a:p>
+          <a:p>
+            <a:pPr marL="457200" marR="0" lvl="1" indent="0" algn="l" defTabSz="914400" rtl="0" fontAlgn="auto" latinLnBrk="0" hangingPunct="0">
+              <a:lnSpc>
+                <a:spcPct val="100000"/>
+              </a:lnSpc>
+              <a:spcBef>
+                <a:spcPts val="0"/>
+              </a:spcBef>
+              <a:spcAft>
+                <a:spcPts val="0"/>
+              </a:spcAft>
+              <a:buClrTx/>
+              <a:buSzTx/>
+              <a:buFontTx/>
+              <a:buNone/>
+            </a:pPr>
+            <a:br>
+              <a:rPr kumimoji="0" lang="zh-CN" altLang="en-US" b="0" i="0" u="none" strike="noStrike" cap="none" spc="0" normalizeH="0" baseline="0">
+                <a:ln>
+                  <a:noFill/>
+                </a:ln>
+                <a:solidFill>
+                  <a:srgbClr val="000000"/>
+                </a:solidFill>
+                <a:effectLst/>
+                <a:uFillTx/>
+                <a:latin typeface="Arial" panose="020B0604020202020204"/>
+                <a:ea typeface="Arial" panose="020B0604020202020204"/>
+                <a:cs typeface="Arial" panose="020B0604020202020204"/>
+                <a:sym typeface="Arial" panose="020B0604020202020204"/>
+              </a:rPr>
+            </a:br>
+            <a:r>
+              <a:rPr kumimoji="0" lang="zh-CN" altLang="en-US" b="1" i="0" u="none" strike="noStrike" cap="none" spc="0" normalizeH="0" baseline="0">
+                <a:ln>
+                  <a:noFill/>
+                </a:ln>
+                <a:solidFill>
+                  <a:srgbClr val="000000"/>
+                </a:solidFill>
+                <a:effectLst/>
+                <a:uFillTx/>
+                <a:latin typeface="Arial" panose="020B0604020202020204"/>
+                <a:ea typeface="Arial" panose="020B0604020202020204"/>
+                <a:cs typeface="Arial" panose="020B0604020202020204"/>
+                <a:sym typeface="Arial" panose="020B0604020202020204"/>
+              </a:rPr>
+              <a:t>林锴</a:t>
+            </a:r>
+            <a:r>
+              <a:rPr kumimoji="0" lang="zh-CN" altLang="en-US" b="0" i="0" u="none" strike="noStrike" cap="none" spc="0" normalizeH="0" baseline="0">
+                <a:ln>
+                  <a:noFill/>
+                </a:ln>
+                <a:solidFill>
+                  <a:srgbClr val="000000"/>
+                </a:solidFill>
+                <a:effectLst/>
+                <a:uFillTx/>
+                <a:latin typeface="Arial" panose="020B0604020202020204"/>
+                <a:ea typeface="Arial" panose="020B0604020202020204"/>
+                <a:cs typeface="Arial" panose="020B0604020202020204"/>
+                <a:sym typeface="Arial" panose="020B0604020202020204"/>
+              </a:rPr>
+              <a:t>：资源分配分析</a:t>
+            </a:r>
+            <a:r>
+              <a:rPr lang="zh-CN" altLang="en-US">
+                <a:ea typeface="宋体" panose="02010600030101010101" pitchFamily="2" charset="-122"/>
+                <a:sym typeface="Arial" panose="020B0604020202020204"/>
+              </a:rPr>
+              <a:t>（</a:t>
+            </a:r>
+            <a:r>
+              <a:rPr lang="en-US" altLang="zh-CN">
+                <a:ea typeface="宋体" panose="02010600030101010101" pitchFamily="2" charset="-122"/>
+                <a:sym typeface="Arial" panose="020B0604020202020204"/>
+              </a:rPr>
+              <a:t>5/5</a:t>
+            </a:r>
+            <a:r>
+              <a:rPr lang="zh-CN" altLang="en-US">
+                <a:ea typeface="宋体" panose="02010600030101010101" pitchFamily="2" charset="-122"/>
+                <a:sym typeface="Arial" panose="020B0604020202020204"/>
+              </a:rPr>
+              <a:t>）</a:t>
+            </a:r>
+            <a:br>
+              <a:rPr kumimoji="0" lang="zh-CN" altLang="en-US" b="0" i="0" u="none" strike="noStrike" cap="none" spc="0" normalizeH="0" baseline="0">
+                <a:ln>
+                  <a:noFill/>
+                </a:ln>
+                <a:solidFill>
+                  <a:srgbClr val="000000"/>
+                </a:solidFill>
+                <a:effectLst/>
+                <a:uFillTx/>
+                <a:latin typeface="Arial" panose="020B0604020202020204"/>
+                <a:ea typeface="Arial" panose="020B0604020202020204"/>
+                <a:cs typeface="Arial" panose="020B0604020202020204"/>
+                <a:sym typeface="Arial" panose="020B0604020202020204"/>
+              </a:rPr>
+            </a:br>
+            <a:br>
+              <a:rPr kumimoji="0" lang="zh-CN" altLang="en-US" b="0" i="0" u="none" strike="noStrike" cap="none" spc="0" normalizeH="0" baseline="0">
+                <a:ln>
+                  <a:noFill/>
+                </a:ln>
+                <a:solidFill>
+                  <a:srgbClr val="000000"/>
+                </a:solidFill>
+                <a:effectLst/>
+                <a:uFillTx/>
+                <a:latin typeface="Arial" panose="020B0604020202020204"/>
+                <a:ea typeface="Arial" panose="020B0604020202020204"/>
+                <a:cs typeface="Arial" panose="020B0604020202020204"/>
+                <a:sym typeface="Arial" panose="020B0604020202020204"/>
+              </a:rPr>
+            </a:br>
+            <a:r>
+              <a:rPr kumimoji="0" lang="zh-CN" altLang="en-US" b="1" i="0" u="none" strike="noStrike" cap="none" spc="0" normalizeH="0" baseline="0">
+                <a:ln>
+                  <a:noFill/>
+                </a:ln>
+                <a:solidFill>
+                  <a:srgbClr val="000000"/>
+                </a:solidFill>
+                <a:effectLst/>
+                <a:uFillTx/>
+                <a:latin typeface="Arial" panose="020B0604020202020204"/>
+                <a:ea typeface="Arial" panose="020B0604020202020204"/>
+                <a:cs typeface="Arial" panose="020B0604020202020204"/>
+                <a:sym typeface="Arial" panose="020B0604020202020204"/>
+              </a:rPr>
+              <a:t>麻克强</a:t>
+            </a:r>
+            <a:r>
+              <a:rPr kumimoji="0" lang="zh-CN" altLang="en-US" b="0" i="0" u="none" strike="noStrike" cap="none" spc="0" normalizeH="0" baseline="0">
+                <a:ln>
+                  <a:noFill/>
+                </a:ln>
+                <a:solidFill>
+                  <a:srgbClr val="000000"/>
+                </a:solidFill>
+                <a:effectLst/>
+                <a:uFillTx/>
+                <a:latin typeface="Arial" panose="020B0604020202020204"/>
+                <a:ea typeface="Arial" panose="020B0604020202020204"/>
+                <a:cs typeface="Arial" panose="020B0604020202020204"/>
+                <a:sym typeface="Arial" panose="020B0604020202020204"/>
+              </a:rPr>
+              <a:t>：</a:t>
+            </a:r>
+            <a:r>
+              <a:rPr kumimoji="0" lang="en-US" altLang="zh-CN" b="0" i="0" u="none" strike="noStrike" cap="none" spc="0" normalizeH="0" baseline="0">
+                <a:ln>
+                  <a:noFill/>
+                </a:ln>
+                <a:solidFill>
+                  <a:srgbClr val="000000"/>
+                </a:solidFill>
+                <a:effectLst/>
+                <a:uFillTx/>
+                <a:latin typeface="Arial" panose="020B0604020202020204"/>
+                <a:ea typeface="Arial" panose="020B0604020202020204"/>
+                <a:cs typeface="Arial" panose="020B0604020202020204"/>
+                <a:sym typeface="Arial" panose="020B0604020202020204"/>
+              </a:rPr>
+              <a:t>ppt</a:t>
+            </a:r>
+            <a:r>
+              <a:rPr kumimoji="0" lang="zh-CN" altLang="en-US" b="0" i="0" u="none" strike="noStrike" cap="none" spc="0" normalizeH="0" baseline="0">
+                <a:ln>
+                  <a:noFill/>
+                </a:ln>
+                <a:solidFill>
+                  <a:srgbClr val="000000"/>
+                </a:solidFill>
+                <a:effectLst/>
+                <a:uFillTx/>
+                <a:latin typeface="Arial" panose="020B0604020202020204"/>
+                <a:ea typeface="Arial" panose="020B0604020202020204"/>
+                <a:cs typeface="Arial" panose="020B0604020202020204"/>
+                <a:sym typeface="Arial" panose="020B0604020202020204"/>
+              </a:rPr>
+              <a:t>制作</a:t>
+            </a:r>
+            <a:r>
+              <a:rPr lang="zh-CN" altLang="en-US">
+                <a:ea typeface="宋体" panose="02010600030101010101" pitchFamily="2" charset="-122"/>
+                <a:sym typeface="Arial" panose="020B0604020202020204"/>
+              </a:rPr>
+              <a:t>（</a:t>
+            </a:r>
+            <a:r>
+              <a:rPr lang="en-US" altLang="zh-CN">
+                <a:ea typeface="宋体" panose="02010600030101010101" pitchFamily="2" charset="-122"/>
+                <a:sym typeface="Arial" panose="020B0604020202020204"/>
+              </a:rPr>
+              <a:t>4/5</a:t>
+            </a:r>
+            <a:r>
+              <a:rPr lang="zh-CN" altLang="en-US">
+                <a:ea typeface="宋体" panose="02010600030101010101" pitchFamily="2" charset="-122"/>
+                <a:sym typeface="Arial" panose="020B0604020202020204"/>
+              </a:rPr>
+              <a:t>）</a:t>
+            </a:r>
+            <a:endParaRPr kumimoji="0" lang="zh-CN" altLang="en-US" b="0" i="0" u="none" strike="noStrike" cap="none" spc="0" normalizeH="0" baseline="0">
+              <a:ln>
+                <a:noFill/>
+              </a:ln>
+              <a:solidFill>
+                <a:srgbClr val="000000"/>
+              </a:solidFill>
+              <a:effectLst/>
+              <a:uFillTx/>
+              <a:latin typeface="Arial" panose="020B0604020202020204"/>
+              <a:ea typeface="Arial" panose="020B0604020202020204"/>
+              <a:cs typeface="Arial" panose="020B0604020202020204"/>
+              <a:sym typeface="Arial" panose="020B0604020202020204"/>
+            </a:endParaRPr>
+          </a:p>
+          <a:p>
+            <a:pPr marL="457200" marR="0" lvl="1" indent="0" algn="l" defTabSz="914400" rtl="0" fontAlgn="auto" latinLnBrk="0" hangingPunct="0">
+              <a:lnSpc>
+                <a:spcPct val="100000"/>
+              </a:lnSpc>
+              <a:spcBef>
+                <a:spcPts val="0"/>
+              </a:spcBef>
+              <a:spcAft>
+                <a:spcPts val="0"/>
+              </a:spcAft>
+              <a:buClrTx/>
+              <a:buSzTx/>
+              <a:buFontTx/>
+              <a:buNone/>
+            </a:pPr>
+            <a:endParaRPr kumimoji="0" lang="zh-CN" altLang="en-US" b="0" i="0" u="none" strike="noStrike" cap="none" spc="0" normalizeH="0" baseline="0">
+              <a:ln>
+                <a:noFill/>
+              </a:ln>
+              <a:solidFill>
+                <a:srgbClr val="000000"/>
+              </a:solidFill>
+              <a:effectLst/>
+              <a:uFillTx/>
+              <a:latin typeface="Arial" panose="020B0604020202020204"/>
+              <a:ea typeface="Arial" panose="020B0604020202020204"/>
+              <a:cs typeface="Arial" panose="020B0604020202020204"/>
+              <a:sym typeface="Arial" panose="020B0604020202020204"/>
+            </a:endParaRPr>
+          </a:p>
+        </p:txBody>
+      </p:sp>
+    </p:spTree>
+  </p:cSld>
+  <p:clrMapOvr>
+    <a:masterClrMapping/>
+  </p:clrMapOvr>
+  <mc:AlternateContent xmlns:mc="http://schemas.openxmlformats.org/markup-compatibility/2006">
+    <mc:Choice xmlns:p14="http://schemas.microsoft.com/office/powerpoint/2010/main" Requires="p14">
+      <p:transition spd="slow" p14:dur="1200"/>
+    </mc:Choice>
+    <mc:Fallback>
+      <p:transition spd="slow"/>
+    </mc:Fallback>
+  </mc:AlternateContent>
+</p:sld>
+</file>
+
+<file path=ppt/slides/slide17.xml><?xml version="1.0" encoding="utf-8"?>
+<p:sld xmlns:a="http://schemas.openxmlformats.org/drawingml/2006/main" xmlns:r="http://schemas.openxmlformats.org/officeDocument/2006/relationships" xmlns:p="http://schemas.openxmlformats.org/presentationml/2006/main">
+  <p:cSld>
+    <p:spTree>
+      <p:nvGrpSpPr>
+        <p:cNvPr id="1" name=""/>
+        <p:cNvGrpSpPr/>
+        <p:nvPr/>
+      </p:nvGrpSpPr>
+      <p:grpSpPr>
+        <a:xfrm>
+          <a:off x="0" y="0"/>
+          <a:ext cx="0" cy="0"/>
+          <a:chOff x="0" y="0"/>
+          <a:chExt cx="0" cy="0"/>
+        </a:xfrm>
+      </p:grpSpPr>
       <p:pic>
         <p:nvPicPr>
           <p:cNvPr id="1186" name="图片 2" descr="图片 2"/>
@@ -12962,7 +13655,7 @@
                   <a:solidFill>
                     <a:schemeClr val="accent3">
                       <a:hueOff val="-11250001"/>
-                      <a:satOff val="-14503"/>
+                      <a:satOff val="-14502"/>
                       <a:lumOff val="57615"/>
                     </a:schemeClr>
                   </a:solidFill>
@@ -13006,7 +13699,7 @@
                   <a:solidFill>
                     <a:schemeClr val="accent3">
                       <a:hueOff val="-11250001"/>
-                      <a:satOff val="-14503"/>
+                      <a:satOff val="-14502"/>
                       <a:lumOff val="57615"/>
                     </a:schemeClr>
                   </a:solidFill>
@@ -13126,7 +13819,7 @@
                   <a:solidFill>
                     <a:schemeClr val="accent3">
                       <a:hueOff val="-11250001"/>
-                      <a:satOff val="-14503"/>
+                      <a:satOff val="-14502"/>
                       <a:lumOff val="57615"/>
                     </a:schemeClr>
                   </a:solidFill>
@@ -13309,7 +14002,7 @@
                   <a:solidFill>
                     <a:schemeClr val="accent3">
                       <a:hueOff val="-11250001"/>
-                      <a:satOff val="-14503"/>
+                      <a:satOff val="-14502"/>
                       <a:lumOff val="57615"/>
                     </a:schemeClr>
                   </a:solidFill>
@@ -13353,7 +14046,7 @@
                   <a:solidFill>
                     <a:schemeClr val="accent3">
                       <a:hueOff val="-11250001"/>
-                      <a:satOff val="-14503"/>
+                      <a:satOff val="-14502"/>
                       <a:lumOff val="57615"/>
                     </a:schemeClr>
                   </a:solidFill>
@@ -13473,7 +14166,7 @@
                   <a:solidFill>
                     <a:schemeClr val="accent3">
                       <a:hueOff val="-11250001"/>
-                      <a:satOff val="-14503"/>
+                      <a:satOff val="-14502"/>
                       <a:lumOff val="57615"/>
                     </a:schemeClr>
                   </a:solidFill>
@@ -13656,7 +14349,7 @@
                   <a:solidFill>
                     <a:schemeClr val="accent3">
                       <a:hueOff val="-11250001"/>
-                      <a:satOff val="-14503"/>
+                      <a:satOff val="-14502"/>
                       <a:lumOff val="57615"/>
                     </a:schemeClr>
                   </a:solidFill>
@@ -13700,7 +14393,7 @@
                   <a:solidFill>
                     <a:schemeClr val="accent3">
                       <a:hueOff val="-11250001"/>
-                      <a:satOff val="-14503"/>
+                      <a:satOff val="-14502"/>
                       <a:lumOff val="57615"/>
                     </a:schemeClr>
                   </a:solidFill>
@@ -13820,7 +14513,7 @@
                   <a:solidFill>
                     <a:schemeClr val="accent3">
                       <a:hueOff val="-11250001"/>
-                      <a:satOff val="-14503"/>
+                      <a:satOff val="-14502"/>
                       <a:lumOff val="57615"/>
                     </a:schemeClr>
                   </a:solidFill>
@@ -14003,7 +14696,7 @@
                   <a:solidFill>
                     <a:schemeClr val="accent3">
                       <a:hueOff val="-11250001"/>
-                      <a:satOff val="-14503"/>
+                      <a:satOff val="-14502"/>
                       <a:lumOff val="57615"/>
                     </a:schemeClr>
                   </a:solidFill>
@@ -14047,7 +14740,7 @@
                   <a:solidFill>
                     <a:schemeClr val="accent3">
                       <a:hueOff val="-11250001"/>
-                      <a:satOff val="-14503"/>
+                      <a:satOff val="-14502"/>
                       <a:lumOff val="57615"/>
                     </a:schemeClr>
                   </a:solidFill>
@@ -14167,7 +14860,7 @@
                   <a:solidFill>
                     <a:schemeClr val="accent3">
                       <a:hueOff val="-11250001"/>
-                      <a:satOff val="-14503"/>
+                      <a:satOff val="-14502"/>
                       <a:lumOff val="57615"/>
                     </a:schemeClr>
                   </a:solidFill>
@@ -14275,7 +14968,7 @@
                   <a:solidFill>
                     <a:schemeClr val="accent3">
                       <a:hueOff val="-11250001"/>
-                      <a:satOff val="-14503"/>
+                      <a:satOff val="-14502"/>
                       <a:lumOff val="57615"/>
                     </a:schemeClr>
                   </a:solidFill>
@@ -14343,7 +15036,7 @@
                   <a:solidFill>
                     <a:schemeClr val="accent3">
                       <a:hueOff val="-11250001"/>
-                      <a:satOff val="-14503"/>
+                      <a:satOff val="-14502"/>
                       <a:lumOff val="57615"/>
                     </a:schemeClr>
                   </a:solidFill>
@@ -14558,7 +15251,7 @@
                   <a:solidFill>
                     <a:schemeClr val="accent3">
                       <a:hueOff val="-11250001"/>
-                      <a:satOff val="-14503"/>
+                      <a:satOff val="-14502"/>
                       <a:lumOff val="57615"/>
                     </a:schemeClr>
                   </a:solidFill>
@@ -14602,7 +15295,7 @@
                   <a:solidFill>
                     <a:schemeClr val="accent3">
                       <a:hueOff val="-11250001"/>
-                      <a:satOff val="-14503"/>
+                      <a:satOff val="-14502"/>
                       <a:lumOff val="57615"/>
                     </a:schemeClr>
                   </a:solidFill>
@@ -14720,7 +15413,7 @@
                   <a:solidFill>
                     <a:schemeClr val="accent3">
                       <a:hueOff val="-11250001"/>
-                      <a:satOff val="-14503"/>
+                      <a:satOff val="-14502"/>
                       <a:lumOff val="57615"/>
                     </a:schemeClr>
                   </a:solidFill>
@@ -14904,7 +15597,7 @@
                   <a:solidFill>
                     <a:schemeClr val="accent3">
                       <a:hueOff val="-11250001"/>
-                      <a:satOff val="-14503"/>
+                      <a:satOff val="-14502"/>
                       <a:lumOff val="57615"/>
                     </a:schemeClr>
                   </a:solidFill>
@@ -14948,7 +15641,7 @@
                   <a:solidFill>
                     <a:schemeClr val="accent3">
                       <a:hueOff val="-11250001"/>
-                      <a:satOff val="-14503"/>
+                      <a:satOff val="-14502"/>
                       <a:lumOff val="57615"/>
                     </a:schemeClr>
                   </a:solidFill>
@@ -15066,7 +15759,7 @@
                   <a:solidFill>
                     <a:schemeClr val="accent3">
                       <a:hueOff val="-11250001"/>
-                      <a:satOff val="-14503"/>
+                      <a:satOff val="-14502"/>
                       <a:lumOff val="57615"/>
                     </a:schemeClr>
                   </a:solidFill>
@@ -15250,7 +15943,7 @@
                   <a:solidFill>
                     <a:schemeClr val="accent3">
                       <a:hueOff val="-11250001"/>
-                      <a:satOff val="-14503"/>
+                      <a:satOff val="-14502"/>
                       <a:lumOff val="57615"/>
                     </a:schemeClr>
                   </a:solidFill>
@@ -15294,7 +15987,7 @@
                   <a:solidFill>
                     <a:schemeClr val="accent3">
                       <a:hueOff val="-11250001"/>
-                      <a:satOff val="-14503"/>
+                      <a:satOff val="-14502"/>
                       <a:lumOff val="57615"/>
                     </a:schemeClr>
                   </a:solidFill>
@@ -15412,7 +16105,7 @@
                   <a:solidFill>
                     <a:schemeClr val="accent3">
                       <a:hueOff val="-11250001"/>
-                      <a:satOff val="-14503"/>
+                      <a:satOff val="-14502"/>
                       <a:lumOff val="57615"/>
                     </a:schemeClr>
                   </a:solidFill>
@@ -15588,7 +16281,7 @@
                   <a:solidFill>
                     <a:schemeClr val="accent3">
                       <a:hueOff val="-11250001"/>
-                      <a:satOff val="-14503"/>
+                      <a:satOff val="-14502"/>
                       <a:lumOff val="57615"/>
                     </a:schemeClr>
                   </a:solidFill>
@@ -15628,7 +16321,7 @@
                   <a:solidFill>
                     <a:schemeClr val="accent3">
                       <a:hueOff val="-11250001"/>
-                      <a:satOff val="-14503"/>
+                      <a:satOff val="-14502"/>
                       <a:lumOff val="57615"/>
                     </a:schemeClr>
                   </a:solidFill>
@@ -15738,7 +16431,7 @@
                   <a:solidFill>
                     <a:schemeClr val="accent3">
                       <a:hueOff val="-11250001"/>
-                      <a:satOff val="-14503"/>
+                      <a:satOff val="-14502"/>
                       <a:lumOff val="57615"/>
                     </a:schemeClr>
                   </a:solidFill>
@@ -15842,7 +16535,7 @@
                   <a:solidFill>
                     <a:schemeClr val="accent3">
                       <a:hueOff val="-11250001"/>
-                      <a:satOff val="-14503"/>
+                      <a:satOff val="-14502"/>
                       <a:lumOff val="57615"/>
                     </a:schemeClr>
                   </a:solidFill>
@@ -15910,7 +16603,7 @@
                   <a:solidFill>
                     <a:schemeClr val="accent3">
                       <a:hueOff val="-11250001"/>
-                      <a:satOff val="-14503"/>
+                      <a:satOff val="-14502"/>
                       <a:lumOff val="57615"/>
                     </a:schemeClr>
                   </a:solidFill>
@@ -16057,7 +16750,7 @@
                 <a:solidFill>
                   <a:schemeClr val="accent3">
                     <a:hueOff val="-11250001"/>
-                    <a:satOff val="-14503"/>
+                    <a:satOff val="-14502"/>
                     <a:lumOff val="57615"/>
                   </a:schemeClr>
                 </a:solidFill>
@@ -16100,7 +16793,7 @@
                 <a:solidFill>
                   <a:schemeClr val="accent3">
                     <a:hueOff val="-11250001"/>
-                    <a:satOff val="-14503"/>
+                    <a:satOff val="-14502"/>
                     <a:lumOff val="57615"/>
                   </a:schemeClr>
                 </a:solidFill>
@@ -16143,7 +16836,7 @@
                 <a:solidFill>
                   <a:schemeClr val="accent3">
                     <a:hueOff val="-11250001"/>
-                    <a:satOff val="-14503"/>
+                    <a:satOff val="-14502"/>
                     <a:lumOff val="57615"/>
                   </a:schemeClr>
                 </a:solidFill>
@@ -16371,7 +17064,7 @@
           <a:solidFill>
             <a:schemeClr val="accent3">
               <a:hueOff val="-11250001"/>
-              <a:satOff val="-14503"/>
+              <a:satOff val="-14502"/>
               <a:lumOff val="57615"/>
             </a:schemeClr>
           </a:solidFill>
@@ -16739,7 +17432,7 @@
           <a:solidFill>
             <a:schemeClr val="accent3">
               <a:hueOff val="-11250001"/>
-              <a:satOff val="-14503"/>
+              <a:satOff val="-14502"/>
               <a:lumOff val="57615"/>
             </a:schemeClr>
           </a:solidFill>
@@ -16953,7 +17646,7 @@
           <a:solidFill>
             <a:schemeClr val="accent3">
               <a:hueOff val="-11250001"/>
-              <a:satOff val="-14503"/>
+              <a:satOff val="-14502"/>
               <a:lumOff val="57615"/>
             </a:schemeClr>
           </a:solidFill>
@@ -17295,7 +17988,7 @@
                   <a:solidFill>
                     <a:schemeClr val="accent3">
                       <a:hueOff val="-11250001"/>
-                      <a:satOff val="-14503"/>
+                      <a:satOff val="-14502"/>
                       <a:lumOff val="57615"/>
                     </a:schemeClr>
                   </a:solidFill>
@@ -17335,7 +18028,7 @@
                   <a:solidFill>
                     <a:schemeClr val="accent3">
                       <a:hueOff val="-11250001"/>
-                      <a:satOff val="-14503"/>
+                      <a:satOff val="-14502"/>
                       <a:lumOff val="57615"/>
                     </a:schemeClr>
                   </a:solidFill>
@@ -17445,7 +18138,7 @@
                   <a:solidFill>
                     <a:schemeClr val="accent3">
                       <a:hueOff val="-11250001"/>
-                      <a:satOff val="-14503"/>
+                      <a:satOff val="-14502"/>
                       <a:lumOff val="57615"/>
                     </a:schemeClr>
                   </a:solidFill>
@@ -17614,7 +18307,7 @@
                   <a:solidFill>
                     <a:schemeClr val="accent3">
                       <a:hueOff val="-11250001"/>
-                      <a:satOff val="-14503"/>
+                      <a:satOff val="-14502"/>
                       <a:lumOff val="57615"/>
                     </a:schemeClr>
                   </a:solidFill>
@@ -17654,7 +18347,7 @@
                   <a:solidFill>
                     <a:schemeClr val="accent3">
                       <a:hueOff val="-11250001"/>
-                      <a:satOff val="-14503"/>
+                      <a:satOff val="-14502"/>
                       <a:lumOff val="57615"/>
                     </a:schemeClr>
                   </a:solidFill>
@@ -17764,7 +18457,7 @@
                   <a:solidFill>
                     <a:schemeClr val="accent3">
                       <a:hueOff val="-11250001"/>
-                      <a:satOff val="-14503"/>
+                      <a:satOff val="-14502"/>
                       <a:lumOff val="57615"/>
                     </a:schemeClr>
                   </a:solidFill>
@@ -17936,7 +18629,7 @@
                   <a:solidFill>
                     <a:schemeClr val="accent3">
                       <a:hueOff val="-11250001"/>
-                      <a:satOff val="-14503"/>
+                      <a:satOff val="-14502"/>
                       <a:lumOff val="57615"/>
                     </a:schemeClr>
                   </a:solidFill>
@@ -17976,7 +18669,7 @@
                   <a:solidFill>
                     <a:schemeClr val="accent3">
                       <a:hueOff val="-11250001"/>
-                      <a:satOff val="-14503"/>
+                      <a:satOff val="-14502"/>
                       <a:lumOff val="57615"/>
                     </a:schemeClr>
                   </a:solidFill>
@@ -18086,7 +18779,7 @@
                   <a:solidFill>
                     <a:schemeClr val="accent3">
                       <a:hueOff val="-11250001"/>
-                      <a:satOff val="-14503"/>
+                      <a:satOff val="-14502"/>
                       <a:lumOff val="57615"/>
                     </a:schemeClr>
                   </a:solidFill>
@@ -18260,7 +18953,7 @@
                   <a:solidFill>
                     <a:schemeClr val="accent3">
                       <a:hueOff val="-11250001"/>
-                      <a:satOff val="-14503"/>
+                      <a:satOff val="-14502"/>
                       <a:lumOff val="57615"/>
                     </a:schemeClr>
                   </a:solidFill>
@@ -18300,7 +18993,7 @@
                   <a:solidFill>
                     <a:schemeClr val="accent3">
                       <a:hueOff val="-11250001"/>
-                      <a:satOff val="-14503"/>
+                      <a:satOff val="-14502"/>
                       <a:lumOff val="57615"/>
                     </a:schemeClr>
                   </a:solidFill>
@@ -18412,7 +19105,7 @@
                   <a:solidFill>
                     <a:schemeClr val="accent3">
                       <a:hueOff val="-11250001"/>
-                      <a:satOff val="-14503"/>
+                      <a:satOff val="-14502"/>
                       <a:lumOff val="57615"/>
                     </a:schemeClr>
                   </a:solidFill>
@@ -18519,7 +19212,7 @@
                   <a:solidFill>
                     <a:schemeClr val="accent3">
                       <a:hueOff val="-11250001"/>
-                      <a:satOff val="-14503"/>
+                      <a:satOff val="-14502"/>
                       <a:lumOff val="57615"/>
                     </a:schemeClr>
                   </a:solidFill>
@@ -18587,7 +19280,7 @@
                   <a:solidFill>
                     <a:schemeClr val="accent3">
                       <a:hueOff val="-11250001"/>
-                      <a:satOff val="-14503"/>
+                      <a:satOff val="-14502"/>
                       <a:lumOff val="57615"/>
                     </a:schemeClr>
                   </a:solidFill>
@@ -18750,7 +19443,7 @@
                   <a:solidFill>
                     <a:schemeClr val="accent3">
                       <a:hueOff val="-11250001"/>
-                      <a:satOff val="-14503"/>
+                      <a:satOff val="-14502"/>
                       <a:lumOff val="57615"/>
                     </a:schemeClr>
                   </a:solidFill>
@@ -18795,7 +19488,7 @@
                   <a:solidFill>
                     <a:schemeClr val="accent3">
                       <a:hueOff val="-11250001"/>
-                      <a:satOff val="-14503"/>
+                      <a:satOff val="-14502"/>
                       <a:lumOff val="57615"/>
                     </a:schemeClr>
                   </a:solidFill>
@@ -18840,7 +19533,7 @@
                   <a:solidFill>
                     <a:schemeClr val="accent3">
                       <a:hueOff val="-11250001"/>
-                      <a:satOff val="-14503"/>
+                      <a:satOff val="-14502"/>
                       <a:lumOff val="57615"/>
                     </a:schemeClr>
                   </a:solidFill>
@@ -18900,7 +19593,7 @@
                   <a:solidFill>
                     <a:schemeClr val="accent3">
                       <a:hueOff val="-11250001"/>
-                      <a:satOff val="-14503"/>
+                      <a:satOff val="-14502"/>
                       <a:lumOff val="57615"/>
                     </a:schemeClr>
                   </a:solidFill>
@@ -18945,7 +19638,7 @@
                   <a:solidFill>
                     <a:schemeClr val="accent3">
                       <a:hueOff val="-11250001"/>
-                      <a:satOff val="-14503"/>
+                      <a:satOff val="-14502"/>
                       <a:lumOff val="57615"/>
                     </a:schemeClr>
                   </a:solidFill>
@@ -18990,7 +19683,7 @@
                   <a:solidFill>
                     <a:schemeClr val="accent3">
                       <a:hueOff val="-11250001"/>
-                      <a:satOff val="-14503"/>
+                      <a:satOff val="-14502"/>
                       <a:lumOff val="57615"/>
                     </a:schemeClr>
                   </a:solidFill>
@@ -19050,7 +19743,7 @@
                   <a:solidFill>
                     <a:schemeClr val="accent3">
                       <a:hueOff val="-11250001"/>
-                      <a:satOff val="-14503"/>
+                      <a:satOff val="-14502"/>
                       <a:lumOff val="57615"/>
                     </a:schemeClr>
                   </a:solidFill>
@@ -19095,7 +19788,7 @@
                   <a:solidFill>
                     <a:schemeClr val="accent3">
                       <a:hueOff val="-11250001"/>
-                      <a:satOff val="-14503"/>
+                      <a:satOff val="-14502"/>
                       <a:lumOff val="57615"/>
                     </a:schemeClr>
                   </a:solidFill>
@@ -19140,7 +19833,7 @@
                   <a:solidFill>
                     <a:schemeClr val="accent3">
                       <a:hueOff val="-11250001"/>
-                      <a:satOff val="-14503"/>
+                      <a:satOff val="-14502"/>
                       <a:lumOff val="57615"/>
                     </a:schemeClr>
                   </a:solidFill>
@@ -19200,7 +19893,7 @@
                   <a:solidFill>
                     <a:schemeClr val="accent3">
                       <a:hueOff val="-11250001"/>
-                      <a:satOff val="-14503"/>
+                      <a:satOff val="-14502"/>
                       <a:lumOff val="57615"/>
                     </a:schemeClr>
                   </a:solidFill>
@@ -19245,7 +19938,7 @@
                   <a:solidFill>
                     <a:schemeClr val="accent3">
                       <a:hueOff val="-11250001"/>
-                      <a:satOff val="-14503"/>
+                      <a:satOff val="-14502"/>
                       <a:lumOff val="57615"/>
                     </a:schemeClr>
                   </a:solidFill>
@@ -19290,7 +19983,7 @@
                   <a:solidFill>
                     <a:schemeClr val="accent3">
                       <a:hueOff val="-11250001"/>
-                      <a:satOff val="-14503"/>
+                      <a:satOff val="-14502"/>
                       <a:lumOff val="57615"/>
                     </a:schemeClr>
                   </a:solidFill>
@@ -19350,7 +20043,7 @@
                   <a:solidFill>
                     <a:schemeClr val="accent3">
                       <a:hueOff val="-11250001"/>
-                      <a:satOff val="-14503"/>
+                      <a:satOff val="-14502"/>
                       <a:lumOff val="57615"/>
                     </a:schemeClr>
                   </a:solidFill>
@@ -19395,7 +20088,7 @@
                   <a:solidFill>
                     <a:schemeClr val="accent3">
                       <a:hueOff val="-11250001"/>
-                      <a:satOff val="-14503"/>
+                      <a:satOff val="-14502"/>
                       <a:lumOff val="57615"/>
                     </a:schemeClr>
                   </a:solidFill>
@@ -19440,7 +20133,7 @@
                   <a:solidFill>
                     <a:schemeClr val="accent3">
                       <a:hueOff val="-11250001"/>
-                      <a:satOff val="-14503"/>
+                      <a:satOff val="-14502"/>
                       <a:lumOff val="57615"/>
                     </a:schemeClr>
                   </a:solidFill>
@@ -21740,7 +22433,7 @@
                   <a:solidFill>
                     <a:schemeClr val="accent3">
                       <a:hueOff val="-11250001"/>
-                      <a:satOff val="-14503"/>
+                      <a:satOff val="-14502"/>
                       <a:lumOff val="57615"/>
                     </a:schemeClr>
                   </a:solidFill>
@@ -21856,7 +22549,7 @@
                   <a:solidFill>
                     <a:schemeClr val="accent3">
                       <a:hueOff val="-11250001"/>
-                      <a:satOff val="-14503"/>
+                      <a:satOff val="-14502"/>
                       <a:lumOff val="57615"/>
                     </a:schemeClr>
                   </a:solidFill>
@@ -21972,7 +22665,7 @@
                   <a:solidFill>
                     <a:schemeClr val="accent3">
                       <a:hueOff val="-11250001"/>
-                      <a:satOff val="-14503"/>
+                      <a:satOff val="-14502"/>
                       <a:lumOff val="57615"/>
                     </a:schemeClr>
                   </a:solidFill>
@@ -22074,7 +22767,7 @@
                 <a:solidFill>
                   <a:schemeClr val="accent3">
                     <a:hueOff val="-11250001"/>
-                    <a:satOff val="-14503"/>
+                    <a:satOff val="-14502"/>
                     <a:lumOff val="57615"/>
                   </a:schemeClr>
                 </a:solidFill>
@@ -22513,7 +23206,7 @@
           <a:solidFill>
             <a:schemeClr val="accent3">
               <a:hueOff val="-11250001"/>
-              <a:satOff val="-14503"/>
+              <a:satOff val="-14502"/>
               <a:lumOff val="57615"/>
             </a:schemeClr>
           </a:solidFill>
@@ -22682,7 +23375,7 @@
           <a:solidFill>
             <a:schemeClr val="accent3">
               <a:hueOff val="-11250001"/>
-              <a:satOff val="-14503"/>
+              <a:satOff val="-14502"/>
               <a:lumOff val="57615"/>
             </a:schemeClr>
           </a:solidFill>
@@ -23108,7 +23801,7 @@
           <a:solidFill>
             <a:schemeClr val="accent3">
               <a:hueOff val="-11250001"/>
-              <a:satOff val="-14503"/>
+              <a:satOff val="-14502"/>
               <a:lumOff val="57615"/>
             </a:schemeClr>
           </a:solidFill>
@@ -23222,7 +23915,7 @@
           <a:solidFill>
             <a:schemeClr val="accent3">
               <a:hueOff val="-11250001"/>
-              <a:satOff val="-14503"/>
+              <a:satOff val="-14502"/>
               <a:lumOff val="57615"/>
             </a:schemeClr>
           </a:solidFill>
@@ -23532,7 +24225,7 @@
           <a:solidFill>
             <a:schemeClr val="accent3">
               <a:hueOff val="-11250001"/>
-              <a:satOff val="-14503"/>
+              <a:satOff val="-14502"/>
               <a:lumOff val="57615"/>
             </a:schemeClr>
           </a:solidFill>
@@ -25443,7 +26136,7 @@
                   <a:solidFill>
                     <a:schemeClr val="accent3">
                       <a:hueOff val="-11250001"/>
-                      <a:satOff val="-14503"/>
+                      <a:satOff val="-14502"/>
                       <a:lumOff val="57615"/>
                     </a:schemeClr>
                   </a:solidFill>
@@ -25539,7 +26232,7 @@
                   <a:solidFill>
                     <a:schemeClr val="accent3">
                       <a:hueOff val="-11250001"/>
-                      <a:satOff val="-14503"/>
+                      <a:satOff val="-14502"/>
                       <a:lumOff val="57615"/>
                     </a:schemeClr>
                   </a:solidFill>
@@ -25635,7 +26328,7 @@
                   <a:solidFill>
                     <a:schemeClr val="accent3">
                       <a:hueOff val="-11250001"/>
-                      <a:satOff val="-14503"/>
+                      <a:satOff val="-14502"/>
                       <a:lumOff val="57615"/>
                     </a:schemeClr>
                   </a:solidFill>
@@ -26154,7 +26847,7 @@
                   <a:solidFill>
                     <a:schemeClr val="accent3">
                       <a:hueOff val="-11250001"/>
-                      <a:satOff val="-14503"/>
+                      <a:satOff val="-14502"/>
                       <a:lumOff val="57615"/>
                     </a:schemeClr>
                   </a:solidFill>
@@ -26190,7 +26883,7 @@
             <a:solidFill>
               <a:schemeClr val="accent3">
                 <a:hueOff val="-11250001"/>
-                <a:satOff val="-14503"/>
+                <a:satOff val="-14502"/>
                 <a:lumOff val="57615"/>
               </a:schemeClr>
             </a:solidFill>
@@ -26206,7 +26899,7 @@
                 <a:solidFill>
                   <a:schemeClr val="accent3">
                     <a:hueOff val="-11250001"/>
-                    <a:satOff val="-14503"/>
+                    <a:satOff val="-14502"/>
                     <a:lumOff val="57615"/>
                   </a:schemeClr>
                 </a:solidFill>
@@ -26385,7 +27078,7 @@
             <a:solidFill>
               <a:schemeClr val="accent3">
                 <a:hueOff val="-11250001"/>
-                <a:satOff val="-14503"/>
+                <a:satOff val="-14502"/>
                 <a:lumOff val="57615"/>
               </a:schemeClr>
             </a:solidFill>
@@ -26401,7 +27094,7 @@
                 <a:solidFill>
                   <a:schemeClr val="accent3">
                     <a:hueOff val="-11250001"/>
-                    <a:satOff val="-14503"/>
+                    <a:satOff val="-14502"/>
                     <a:lumOff val="57615"/>
                   </a:schemeClr>
                 </a:solidFill>
@@ -30879,7 +31572,7 @@
                   <a:solidFill>
                     <a:schemeClr val="accent3">
                       <a:hueOff val="-11250001"/>
-                      <a:satOff val="-14503"/>
+                      <a:satOff val="-14502"/>
                       <a:lumOff val="57615"/>
                     </a:schemeClr>
                   </a:solidFill>
@@ -30962,7 +31655,7 @@
                   <a:solidFill>
                     <a:schemeClr val="accent3">
                       <a:hueOff val="-11250001"/>
-                      <a:satOff val="-14503"/>
+                      <a:satOff val="-14502"/>
                       <a:lumOff val="57615"/>
                     </a:schemeClr>
                   </a:solidFill>
@@ -31045,7 +31738,7 @@
                   <a:solidFill>
                     <a:schemeClr val="accent3">
                       <a:hueOff val="-11250001"/>
-                      <a:satOff val="-14503"/>
+                      <a:satOff val="-14502"/>
                       <a:lumOff val="57615"/>
                     </a:schemeClr>
                   </a:solidFill>
@@ -31143,7 +31836,7 @@
                   <a:solidFill>
                     <a:schemeClr val="accent3">
                       <a:hueOff val="-11250001"/>
-                      <a:satOff val="-14503"/>
+                      <a:satOff val="-14502"/>
                       <a:lumOff val="57615"/>
                     </a:schemeClr>
                   </a:solidFill>
@@ -31226,7 +31919,7 @@
                   <a:solidFill>
                     <a:schemeClr val="accent3">
                       <a:hueOff val="-11250001"/>
-                      <a:satOff val="-14503"/>
+                      <a:satOff val="-14502"/>
                       <a:lumOff val="57615"/>
                     </a:schemeClr>
                   </a:solidFill>
@@ -31309,7 +32002,7 @@
                   <a:solidFill>
                     <a:schemeClr val="accent3">
                       <a:hueOff val="-11250001"/>
-                      <a:satOff val="-14503"/>
+                      <a:satOff val="-14502"/>
                       <a:lumOff val="57615"/>
                     </a:schemeClr>
                   </a:solidFill>
@@ -31407,7 +32100,7 @@
                   <a:solidFill>
                     <a:schemeClr val="accent3">
                       <a:hueOff val="-11250001"/>
-                      <a:satOff val="-14503"/>
+                      <a:satOff val="-14502"/>
                       <a:lumOff val="57615"/>
                     </a:schemeClr>
                   </a:solidFill>
@@ -31490,7 +32183,7 @@
                   <a:solidFill>
                     <a:schemeClr val="accent3">
                       <a:hueOff val="-11250001"/>
-                      <a:satOff val="-14503"/>
+                      <a:satOff val="-14502"/>
                       <a:lumOff val="57615"/>
                     </a:schemeClr>
                   </a:solidFill>
@@ -31573,7 +32266,7 @@
                   <a:solidFill>
                     <a:schemeClr val="accent3">
                       <a:hueOff val="-11250001"/>
-                      <a:satOff val="-14503"/>
+                      <a:satOff val="-14502"/>
                       <a:lumOff val="57615"/>
                     </a:schemeClr>
                   </a:solidFill>
@@ -31671,7 +32364,7 @@
                   <a:solidFill>
                     <a:schemeClr val="accent3">
                       <a:hueOff val="-11250001"/>
-                      <a:satOff val="-14503"/>
+                      <a:satOff val="-14502"/>
                       <a:lumOff val="57615"/>
                     </a:schemeClr>
                   </a:solidFill>
@@ -31754,7 +32447,7 @@
                   <a:solidFill>
                     <a:schemeClr val="accent3">
                       <a:hueOff val="-11250001"/>
-                      <a:satOff val="-14503"/>
+                      <a:satOff val="-14502"/>
                       <a:lumOff val="57615"/>
                     </a:schemeClr>
                   </a:solidFill>
@@ -31837,7 +32530,7 @@
                   <a:solidFill>
                     <a:schemeClr val="accent3">
                       <a:hueOff val="-11250001"/>
-                      <a:satOff val="-14503"/>
+                      <a:satOff val="-14502"/>
                       <a:lumOff val="57615"/>
                     </a:schemeClr>
                   </a:solidFill>
@@ -32072,7 +32765,7 @@
           <a:solidFill>
             <a:schemeClr val="accent3">
               <a:hueOff val="-11250001"/>
-              <a:satOff val="-14503"/>
+              <a:satOff val="-14502"/>
               <a:lumOff val="57615"/>
             </a:schemeClr>
           </a:solidFill>
@@ -32204,7 +32897,7 @@
           <a:solidFill>
             <a:schemeClr val="accent3">
               <a:hueOff val="-11250001"/>
-              <a:satOff val="-14503"/>
+              <a:satOff val="-14502"/>
               <a:lumOff val="57615"/>
             </a:schemeClr>
           </a:solidFill>
@@ -32474,7 +33167,7 @@
           <a:solidFill>
             <a:schemeClr val="accent3">
               <a:hueOff val="-11250001"/>
-              <a:satOff val="-14503"/>
+              <a:satOff val="-14502"/>
               <a:lumOff val="57615"/>
             </a:schemeClr>
           </a:solidFill>
@@ -32696,7 +33389,7 @@
           <a:solidFill>
             <a:schemeClr val="accent3">
               <a:hueOff val="-11250001"/>
-              <a:satOff val="-14503"/>
+              <a:satOff val="-14502"/>
               <a:lumOff val="57615"/>
             </a:schemeClr>
           </a:solidFill>
@@ -34165,7 +34858,7 @@
         <a:solidFill>
           <a:schemeClr val="accent3">
             <a:hueOff val="-11250001"/>
-            <a:satOff val="-14503"/>
+            <a:satOff val="-14502"/>
             <a:lumOff val="57615"/>
           </a:schemeClr>
         </a:solidFill>
@@ -35210,7 +35903,7 @@
         <a:solidFill>
           <a:schemeClr val="accent3">
             <a:hueOff val="-11250001"/>
-            <a:satOff val="-14503"/>
+            <a:satOff val="-14502"/>
             <a:lumOff val="57615"/>
           </a:schemeClr>
         </a:solidFill>
